--- a/images/waveform.pptx
+++ b/images/waveform.pptx
@@ -3720,7 +3720,7 @@
         </p:nvSpPr>
         <p:spPr>
           <a:xfrm>
-            <a:off x="2493697" y="754311"/>
+            <a:off x="2396563" y="715988"/>
             <a:ext cx="1126092" cy="237757"/>
           </a:xfrm>
           <a:prstGeom prst="rect">
@@ -3737,7 +3737,7 @@
             <a:pPr algn="ctr"/>
             <a:r>
               <a:rPr lang="en-US" altLang="ja-JP" sz="945" dirty="0"/>
-              <a:t>Square-like</a:t>
+              <a:t>Square</a:t>
             </a:r>
             <a:endParaRPr lang="ja-JP" altLang="en-US" sz="945" dirty="0"/>
           </a:p>
